--- a/ppt/振杰近期汇报.pptx
+++ b/ppt/振杰近期汇报.pptx
@@ -5,10 +5,10 @@
     <p:sldMasterId id="2147483648" r:id="rId1"/>
   </p:sldMasterIdLst>
   <p:notesMasterIdLst>
-    <p:notesMasterId r:id="rId15"/>
+    <p:notesMasterId r:id="rId16"/>
   </p:notesMasterIdLst>
   <p:handoutMasterIdLst>
-    <p:handoutMasterId r:id="rId16"/>
+    <p:handoutMasterId r:id="rId17"/>
   </p:handoutMasterIdLst>
   <p:sldIdLst>
     <p:sldId id="256" r:id="rId2"/>
@@ -23,7 +23,8 @@
     <p:sldId id="266" r:id="rId11"/>
     <p:sldId id="267" r:id="rId12"/>
     <p:sldId id="268" r:id="rId13"/>
-    <p:sldId id="269" r:id="rId14"/>
+    <p:sldId id="270" r:id="rId14"/>
+    <p:sldId id="269" r:id="rId15"/>
   </p:sldIdLst>
   <p:sldSz cx="9144000" cy="6858000" type="screen4x3"/>
   <p:notesSz cx="6858000" cy="9144000"/>
@@ -6181,6 +6182,92 @@
 </file>
 
 <file path=ppt/slides/slide13.xml><?xml version="1.0" encoding="utf-8"?>
+<p:sld xmlns:a="http://schemas.openxmlformats.org/drawingml/2006/main" xmlns:r="http://schemas.openxmlformats.org/officeDocument/2006/relationships" xmlns:p="http://schemas.openxmlformats.org/presentationml/2006/main">
+  <p:cSld>
+    <p:spTree>
+      <p:nvGrpSpPr>
+        <p:cNvPr id="1" name=""/>
+        <p:cNvGrpSpPr/>
+        <p:nvPr/>
+      </p:nvGrpSpPr>
+      <p:grpSpPr>
+        <a:xfrm>
+          <a:off x="0" y="0"/>
+          <a:ext cx="0" cy="0"/>
+          <a:chOff x="0" y="0"/>
+          <a:chExt cx="0" cy="0"/>
+        </a:xfrm>
+      </p:grpSpPr>
+      <p:sp>
+        <p:nvSpPr>
+          <p:cNvPr id="4" name="TextBox 3"/>
+          <p:cNvSpPr txBox="1"/>
+          <p:nvPr/>
+        </p:nvSpPr>
+        <p:spPr>
+          <a:xfrm>
+            <a:off x="2267744" y="908720"/>
+            <a:ext cx="4752528" cy="1754326"/>
+          </a:xfrm>
+          <a:prstGeom prst="rect">
+            <a:avLst/>
+          </a:prstGeom>
+          <a:noFill/>
+        </p:spPr>
+        <p:txBody>
+          <a:bodyPr wrap="square" rtlCol="0">
+            <a:spAutoFit/>
+          </a:bodyPr>
+          <a:lstStyle/>
+          <a:p>
+            <a:r>
+              <a:rPr lang="zh-CN" altLang="en-US" dirty="0" smtClean="0"/>
+              <a:t>反卷积总结：</a:t>
+            </a:r>
+            <a:endParaRPr lang="en-US" altLang="zh-CN" dirty="0" smtClean="0"/>
+          </a:p>
+          <a:p>
+            <a:r>
+              <a:rPr lang="en-US" altLang="zh-CN" dirty="0"/>
+              <a:t> </a:t>
+            </a:r>
+            <a:r>
+              <a:rPr lang="en-US" altLang="zh-CN" dirty="0" smtClean="0"/>
+              <a:t>      </a:t>
+            </a:r>
+            <a:r>
+              <a:rPr lang="zh-CN" altLang="en-US" dirty="0" smtClean="0"/>
+              <a:t>要执行的反卷积操作的图片是根据已知的参数经过卷积得到，</a:t>
+            </a:r>
+            <a:endParaRPr lang="en-US" altLang="zh-CN" dirty="0" smtClean="0"/>
+          </a:p>
+          <a:p>
+            <a:r>
+              <a:rPr lang="en-US" altLang="zh-CN" dirty="0" smtClean="0"/>
+              <a:t>        </a:t>
+            </a:r>
+            <a:r>
+              <a:rPr lang="zh-CN" altLang="en-US" smtClean="0"/>
+              <a:t>要执行的反卷积操作参数是我们算出来的下面的参数。用这些参数直接执行卷积就能完成反卷积。</a:t>
+            </a:r>
+            <a:endParaRPr lang="zh-CN" altLang="en-US" dirty="0"/>
+          </a:p>
+        </p:txBody>
+      </p:sp>
+    </p:spTree>
+    <p:extLst>
+      <p:ext uri="{BB962C8B-B14F-4D97-AF65-F5344CB8AC3E}">
+        <p14:creationId xmlns:p14="http://schemas.microsoft.com/office/powerpoint/2010/main" val="1137321258"/>
+      </p:ext>
+    </p:extLst>
+  </p:cSld>
+  <p:clrMapOvr>
+    <a:masterClrMapping/>
+  </p:clrMapOvr>
+</p:sld>
+</file>
+
+<file path=ppt/slides/slide14.xml><?xml version="1.0" encoding="utf-8"?>
 <p:sld xmlns:a="http://schemas.openxmlformats.org/drawingml/2006/main" xmlns:r="http://schemas.openxmlformats.org/officeDocument/2006/relationships" xmlns:p="http://schemas.openxmlformats.org/presentationml/2006/main">
   <p:cSld>
     <p:spTree>
